--- a/materials/team5_パズルゲーム.pptx
+++ b/materials/team5_パズルゲーム.pptx
@@ -104,7 +104,175 @@
       </a:defRPr>
     </a:lvl9pPr>
   </p:defaultTextStyle>
+  <p:extLst>
+    <p:ext uri="{EFAFB233-063F-42B5-8137-9DF3F51BA10A}">
+      <p15:sldGuideLst xmlns:p15="http://schemas.microsoft.com/office/powerpoint/2012/main"/>
+    </p:ext>
+  </p:extLst>
 </p:presentation>
+</file>
+
+<file path=ppt/revisionInfo.xml><?xml version="1.0" encoding="utf-8"?>
+<p1510:revInfo xmlns:a="http://schemas.openxmlformats.org/drawingml/2006/main" xmlns:r="http://schemas.openxmlformats.org/officeDocument/2006/relationships" xmlns:p1510="http://schemas.microsoft.com/office/powerpoint/2015/10/main">
+  <p1510:revLst>
+    <p1510:client id="{98C9DBDB-CC91-4286-ACCC-660278C4E0A2}" v="2" dt="2025-07-02T02:10:26.531"/>
+  </p1510:revLst>
+</p1510:revInfo>
+</file>
+
+<file path=ppt/changesInfos/changesInfo1.xml><?xml version="1.0" encoding="utf-8"?>
+<pc:chgInfo xmlns:a="http://schemas.openxmlformats.org/drawingml/2006/main" xmlns:r="http://schemas.openxmlformats.org/officeDocument/2006/relationships" xmlns:ac="http://schemas.microsoft.com/office/drawing/2013/main/command" xmlns:pc="http://schemas.microsoft.com/office/powerpoint/2013/main/command">
+  <pc:docChgLst>
+    <pc:chgData name="櫻子 井上" userId="b40aaa46c8b6fc92" providerId="LiveId" clId="{98C9DBDB-CC91-4286-ACCC-660278C4E0A2}"/>
+    <pc:docChg chg="addSld delSld modSld">
+      <pc:chgData name="櫻子 井上" userId="b40aaa46c8b6fc92" providerId="LiveId" clId="{98C9DBDB-CC91-4286-ACCC-660278C4E0A2}" dt="2025-07-02T02:13:08.594" v="20" actId="207"/>
+      <pc:docMkLst>
+        <pc:docMk/>
+      </pc:docMkLst>
+      <pc:sldChg chg="modSp mod">
+        <pc:chgData name="櫻子 井上" userId="b40aaa46c8b6fc92" providerId="LiveId" clId="{98C9DBDB-CC91-4286-ACCC-660278C4E0A2}" dt="2025-07-02T02:13:08.594" v="20" actId="207"/>
+        <pc:sldMkLst>
+          <pc:docMk/>
+          <pc:sldMk cId="865580008" sldId="256"/>
+        </pc:sldMkLst>
+        <pc:spChg chg="mod">
+          <ac:chgData name="櫻子 井上" userId="b40aaa46c8b6fc92" providerId="LiveId" clId="{98C9DBDB-CC91-4286-ACCC-660278C4E0A2}" dt="2025-07-02T02:11:35.424" v="8" actId="207"/>
+          <ac:spMkLst>
+            <pc:docMk/>
+            <pc:sldMk cId="865580008" sldId="256"/>
+            <ac:spMk id="13" creationId="{D2941B9D-B649-7673-6212-D615E47B432E}"/>
+          </ac:spMkLst>
+        </pc:spChg>
+        <pc:spChg chg="mod">
+          <ac:chgData name="櫻子 井上" userId="b40aaa46c8b6fc92" providerId="LiveId" clId="{98C9DBDB-CC91-4286-ACCC-660278C4E0A2}" dt="2025-07-02T02:11:10.086" v="4" actId="207"/>
+          <ac:spMkLst>
+            <pc:docMk/>
+            <pc:sldMk cId="865580008" sldId="256"/>
+            <ac:spMk id="14" creationId="{4634CCDC-828D-15F1-2C5F-C810244FF36F}"/>
+          </ac:spMkLst>
+        </pc:spChg>
+        <pc:spChg chg="mod">
+          <ac:chgData name="櫻子 井上" userId="b40aaa46c8b6fc92" providerId="LiveId" clId="{98C9DBDB-CC91-4286-ACCC-660278C4E0A2}" dt="2025-07-02T02:11:20.414" v="6" actId="207"/>
+          <ac:spMkLst>
+            <pc:docMk/>
+            <pc:sldMk cId="865580008" sldId="256"/>
+            <ac:spMk id="15" creationId="{0B583E2F-5A33-D8AC-5734-96A937E0E722}"/>
+          </ac:spMkLst>
+        </pc:spChg>
+        <pc:spChg chg="mod">
+          <ac:chgData name="櫻子 井上" userId="b40aaa46c8b6fc92" providerId="LiveId" clId="{98C9DBDB-CC91-4286-ACCC-660278C4E0A2}" dt="2025-07-02T02:11:15.116" v="5" actId="207"/>
+          <ac:spMkLst>
+            <pc:docMk/>
+            <pc:sldMk cId="865580008" sldId="256"/>
+            <ac:spMk id="19" creationId="{887DB37D-D645-544D-D64C-C2D6A4D48408}"/>
+          </ac:spMkLst>
+        </pc:spChg>
+        <pc:spChg chg="mod">
+          <ac:chgData name="櫻子 井上" userId="b40aaa46c8b6fc92" providerId="LiveId" clId="{98C9DBDB-CC91-4286-ACCC-660278C4E0A2}" dt="2025-07-02T02:11:27.818" v="7" actId="207"/>
+          <ac:spMkLst>
+            <pc:docMk/>
+            <pc:sldMk cId="865580008" sldId="256"/>
+            <ac:spMk id="21" creationId="{55889740-277C-E14F-A7CE-382946EB24D8}"/>
+          </ac:spMkLst>
+        </pc:spChg>
+        <pc:spChg chg="mod">
+          <ac:chgData name="櫻子 井上" userId="b40aaa46c8b6fc92" providerId="LiveId" clId="{98C9DBDB-CC91-4286-ACCC-660278C4E0A2}" dt="2025-07-02T02:12:06.183" v="12" actId="208"/>
+          <ac:spMkLst>
+            <pc:docMk/>
+            <pc:sldMk cId="865580008" sldId="256"/>
+            <ac:spMk id="22" creationId="{C1F37395-8480-05D5-68EC-1D4EE7DC386A}"/>
+          </ac:spMkLst>
+        </pc:spChg>
+        <pc:spChg chg="mod">
+          <ac:chgData name="櫻子 井上" userId="b40aaa46c8b6fc92" providerId="LiveId" clId="{98C9DBDB-CC91-4286-ACCC-660278C4E0A2}" dt="2025-07-02T02:12:18.587" v="13" actId="207"/>
+          <ac:spMkLst>
+            <pc:docMk/>
+            <pc:sldMk cId="865580008" sldId="256"/>
+            <ac:spMk id="23" creationId="{CF2C9241-2437-AFE9-E6BF-6EE59E848CCF}"/>
+          </ac:spMkLst>
+        </pc:spChg>
+        <pc:spChg chg="mod">
+          <ac:chgData name="櫻子 井上" userId="b40aaa46c8b6fc92" providerId="LiveId" clId="{98C9DBDB-CC91-4286-ACCC-660278C4E0A2}" dt="2025-07-02T02:12:42.155" v="17" actId="207"/>
+          <ac:spMkLst>
+            <pc:docMk/>
+            <pc:sldMk cId="865580008" sldId="256"/>
+            <ac:spMk id="24" creationId="{7C13969B-9058-6D57-7DB0-2A6E617BA31A}"/>
+          </ac:spMkLst>
+        </pc:spChg>
+        <pc:spChg chg="mod">
+          <ac:chgData name="櫻子 井上" userId="b40aaa46c8b6fc92" providerId="LiveId" clId="{98C9DBDB-CC91-4286-ACCC-660278C4E0A2}" dt="2025-07-02T02:13:08.594" v="20" actId="207"/>
+          <ac:spMkLst>
+            <pc:docMk/>
+            <pc:sldMk cId="865580008" sldId="256"/>
+            <ac:spMk id="25" creationId="{DC5FC764-2C15-A7E6-0ADD-0D976B4665E8}"/>
+          </ac:spMkLst>
+        </pc:spChg>
+        <pc:spChg chg="mod">
+          <ac:chgData name="櫻子 井上" userId="b40aaa46c8b6fc92" providerId="LiveId" clId="{98C9DBDB-CC91-4286-ACCC-660278C4E0A2}" dt="2025-07-02T02:12:24.424" v="14" actId="207"/>
+          <ac:spMkLst>
+            <pc:docMk/>
+            <pc:sldMk cId="865580008" sldId="256"/>
+            <ac:spMk id="32" creationId="{D5F0FB58-C8D5-750B-CCDC-8DA1527E1D38}"/>
+          </ac:spMkLst>
+        </pc:spChg>
+        <pc:spChg chg="mod">
+          <ac:chgData name="櫻子 井上" userId="b40aaa46c8b6fc92" providerId="LiveId" clId="{98C9DBDB-CC91-4286-ACCC-660278C4E0A2}" dt="2025-07-02T02:12:00.518" v="11" actId="207"/>
+          <ac:spMkLst>
+            <pc:docMk/>
+            <pc:sldMk cId="865580008" sldId="256"/>
+            <ac:spMk id="33" creationId="{0F439522-6B27-6F73-EADC-9FD27FF97B89}"/>
+          </ac:spMkLst>
+        </pc:spChg>
+        <pc:spChg chg="mod">
+          <ac:chgData name="櫻子 井上" userId="b40aaa46c8b6fc92" providerId="LiveId" clId="{98C9DBDB-CC91-4286-ACCC-660278C4E0A2}" dt="2025-07-02T02:12:37.627" v="16" actId="207"/>
+          <ac:spMkLst>
+            <pc:docMk/>
+            <pc:sldMk cId="865580008" sldId="256"/>
+            <ac:spMk id="35" creationId="{C5121D00-1711-6A77-87FA-4502F21956AE}"/>
+          </ac:spMkLst>
+        </pc:spChg>
+        <pc:spChg chg="mod">
+          <ac:chgData name="櫻子 井上" userId="b40aaa46c8b6fc92" providerId="LiveId" clId="{98C9DBDB-CC91-4286-ACCC-660278C4E0A2}" dt="2025-07-02T02:13:02.995" v="19" actId="207"/>
+          <ac:spMkLst>
+            <pc:docMk/>
+            <pc:sldMk cId="865580008" sldId="256"/>
+            <ac:spMk id="36" creationId="{CCD0D824-0D86-F7FC-722D-096D4B93799B}"/>
+          </ac:spMkLst>
+        </pc:spChg>
+        <pc:spChg chg="mod">
+          <ac:chgData name="櫻子 井上" userId="b40aaa46c8b6fc92" providerId="LiveId" clId="{98C9DBDB-CC91-4286-ACCC-660278C4E0A2}" dt="2025-07-02T02:12:29.911" v="15" actId="207"/>
+          <ac:spMkLst>
+            <pc:docMk/>
+            <pc:sldMk cId="865580008" sldId="256"/>
+            <ac:spMk id="38" creationId="{A29989D6-1A67-AE27-A8CA-0CECA8A9EFA3}"/>
+          </ac:spMkLst>
+        </pc:spChg>
+        <pc:spChg chg="mod">
+          <ac:chgData name="櫻子 井上" userId="b40aaa46c8b6fc92" providerId="LiveId" clId="{98C9DBDB-CC91-4286-ACCC-660278C4E0A2}" dt="2025-07-02T02:12:55.584" v="18" actId="207"/>
+          <ac:spMkLst>
+            <pc:docMk/>
+            <pc:sldMk cId="865580008" sldId="256"/>
+            <ac:spMk id="40" creationId="{7BBDC10E-E048-6333-6CDF-2307643F6C38}"/>
+          </ac:spMkLst>
+        </pc:spChg>
+      </pc:sldChg>
+      <pc:sldChg chg="add del">
+        <pc:chgData name="櫻子 井上" userId="b40aaa46c8b6fc92" providerId="LiveId" clId="{98C9DBDB-CC91-4286-ACCC-660278C4E0A2}" dt="2025-07-02T02:10:43.299" v="3" actId="47"/>
+        <pc:sldMkLst>
+          <pc:docMk/>
+          <pc:sldMk cId="3522062627" sldId="257"/>
+        </pc:sldMkLst>
+      </pc:sldChg>
+      <pc:sldChg chg="add del">
+        <pc:chgData name="櫻子 井上" userId="b40aaa46c8b6fc92" providerId="LiveId" clId="{98C9DBDB-CC91-4286-ACCC-660278C4E0A2}" dt="2025-07-02T02:10:41.912" v="2" actId="47"/>
+        <pc:sldMkLst>
+          <pc:docMk/>
+          <pc:sldMk cId="3296696373" sldId="258"/>
+        </pc:sldMkLst>
+      </pc:sldChg>
+    </pc:docChg>
+  </pc:docChgLst>
+</pc:chgInfo>
 </file>
 
 <file path=ppt/slideLayouts/slideLayout1.xml><?xml version="1.0" encoding="utf-8"?>
@@ -3372,6 +3540,9 @@
           <a:prstGeom prst="ellipse">
             <a:avLst/>
           </a:prstGeom>
+          <a:solidFill>
+            <a:srgbClr val="7030A0"/>
+          </a:solidFill>
         </p:spPr>
         <p:style>
           <a:lnRef idx="2">
@@ -3418,6 +3589,9 @@
           <a:prstGeom prst="ellipse">
             <a:avLst/>
           </a:prstGeom>
+          <a:solidFill>
+            <a:srgbClr val="FF0000"/>
+          </a:solidFill>
         </p:spPr>
         <p:style>
           <a:lnRef idx="2">
@@ -3464,6 +3638,9 @@
           <a:prstGeom prst="ellipse">
             <a:avLst/>
           </a:prstGeom>
+          <a:solidFill>
+            <a:srgbClr val="00B050"/>
+          </a:solidFill>
         </p:spPr>
         <p:style>
           <a:lnRef idx="2">
@@ -3648,6 +3825,9 @@
           <a:prstGeom prst="ellipse">
             <a:avLst/>
           </a:prstGeom>
+          <a:solidFill>
+            <a:srgbClr val="FF0000"/>
+          </a:solidFill>
         </p:spPr>
         <p:style>
           <a:lnRef idx="2">
@@ -3740,6 +3920,9 @@
           <a:prstGeom prst="ellipse">
             <a:avLst/>
           </a:prstGeom>
+          <a:solidFill>
+            <a:srgbClr val="00B050"/>
+          </a:solidFill>
         </p:spPr>
         <p:style>
           <a:lnRef idx="2">
@@ -3786,6 +3969,14 @@
           <a:prstGeom prst="ellipse">
             <a:avLst/>
           </a:prstGeom>
+          <a:solidFill>
+            <a:srgbClr val="FFFF00"/>
+          </a:solidFill>
+          <a:ln>
+            <a:solidFill>
+              <a:schemeClr val="tx1"/>
+            </a:solidFill>
+          </a:ln>
         </p:spPr>
         <p:style>
           <a:lnRef idx="2">
@@ -3832,6 +4023,9 @@
           <a:prstGeom prst="ellipse">
             <a:avLst/>
           </a:prstGeom>
+          <a:solidFill>
+            <a:srgbClr val="00B050"/>
+          </a:solidFill>
         </p:spPr>
         <p:style>
           <a:lnRef idx="2">
@@ -3878,6 +4072,9 @@
           <a:prstGeom prst="ellipse">
             <a:avLst/>
           </a:prstGeom>
+          <a:solidFill>
+            <a:srgbClr val="7030A0"/>
+          </a:solidFill>
         </p:spPr>
         <p:style>
           <a:lnRef idx="2">
@@ -3924,6 +4121,9 @@
           <a:prstGeom prst="ellipse">
             <a:avLst/>
           </a:prstGeom>
+          <a:solidFill>
+            <a:srgbClr val="FF0000"/>
+          </a:solidFill>
         </p:spPr>
         <p:style>
           <a:lnRef idx="2">
@@ -4016,6 +4216,9 @@
           <a:prstGeom prst="ellipse">
             <a:avLst/>
           </a:prstGeom>
+          <a:solidFill>
+            <a:srgbClr val="FF0000"/>
+          </a:solidFill>
         </p:spPr>
         <p:style>
           <a:lnRef idx="2">
@@ -4062,6 +4265,9 @@
           <a:prstGeom prst="ellipse">
             <a:avLst/>
           </a:prstGeom>
+          <a:solidFill>
+            <a:srgbClr val="FFFF00"/>
+          </a:solidFill>
         </p:spPr>
         <p:style>
           <a:lnRef idx="2">
@@ -4154,6 +4360,9 @@
           <a:prstGeom prst="ellipse">
             <a:avLst/>
           </a:prstGeom>
+          <a:solidFill>
+            <a:srgbClr val="00B050"/>
+          </a:solidFill>
         </p:spPr>
         <p:style>
           <a:lnRef idx="2">
@@ -4200,6 +4409,9 @@
           <a:prstGeom prst="ellipse">
             <a:avLst/>
           </a:prstGeom>
+          <a:solidFill>
+            <a:srgbClr val="00B050"/>
+          </a:solidFill>
         </p:spPr>
         <p:style>
           <a:lnRef idx="2">
@@ -4292,6 +4504,9 @@
           <a:prstGeom prst="ellipse">
             <a:avLst/>
           </a:prstGeom>
+          <a:solidFill>
+            <a:srgbClr val="7030A0"/>
+          </a:solidFill>
         </p:spPr>
         <p:style>
           <a:lnRef idx="2">
@@ -4384,6 +4599,9 @@
           <a:prstGeom prst="ellipse">
             <a:avLst/>
           </a:prstGeom>
+          <a:solidFill>
+            <a:srgbClr val="FFFF00"/>
+          </a:solidFill>
         </p:spPr>
         <p:style>
           <a:lnRef idx="2">
